--- a/Classes/Class_8/Time_Complexity.pptx
+++ b/Classes/Class_8/Time_Complexity.pptx
@@ -8893,7 +8893,15 @@
           <a:p>
             <a:r>
               <a:rPr lang="en-GB" sz="2400" dirty="0"/>
-              <a:t>For example, if an algorithm has a time complexity of O(n), this means that the number of steps it takes grows at most linearly with the size of the input.</a:t>
+              <a:t>For example, if an algorithm has a time complexity of </a:t>
+            </a:r>
+            <a:r>
+              <a:rPr lang="en-GB" sz="2400" b="1" dirty="0"/>
+              <a:t>O(n)</a:t>
+            </a:r>
+            <a:r>
+              <a:rPr lang="en-GB" sz="2400" dirty="0"/>
+              <a:t>, this means that the number of steps it takes grows at most linearly with the size of the input.</a:t>
             </a:r>
           </a:p>
           <a:p>
